--- a/GA_CPOH_V201805/Genetic Algorithim.pptx
+++ b/GA_CPOH_V201805/Genetic Algorithim.pptx
@@ -3854,12 +3854,8 @@
           <a:lstStyle/>
           <a:p>
             <a:r>
-              <a:rPr lang="en-US" sz="8000" dirty="0"/>
-              <a:t>Genetic </a:t>
-            </a:r>
-            <a:r>
-              <a:rPr lang="en-US" sz="8000" dirty="0" err="1"/>
-              <a:t>Algorithim</a:t>
+              <a:rPr lang="en-US" sz="8000"/>
+              <a:t>Genetic Algorithm</a:t>
             </a:r>
             <a:endParaRPr lang="en-US" sz="8000" dirty="0"/>
           </a:p>
